--- a/python ppt/html.pptx
+++ b/python ppt/html.pptx
@@ -149,7 +149,7 @@
   </p:defaultTextStyle>
   <p:extLst>
     <p:ext uri="{EFAFB233-063F-42B5-8137-9DF3F51BA10A}">
-      <p15:sldGuideLst xmlns:p15="http://schemas.microsoft.com/office/powerpoint/2012/main">
+      <p15:sldGuideLst xmlns:p15="http://schemas.microsoft.com/office/powerpoint/2012/main" xmlns="">
         <p15:guide id="1" orient="horz" pos="2160">
           <p15:clr>
             <a:srgbClr val="A4A3A4"/>
@@ -345,7 +345,8 @@
           <a:p>
             <a:fld id="{5BCAD085-E8A6-8845-BD4E-CB4CCA059FC4}" type="datetimeFigureOut">
               <a:rPr lang="en-US" smtClean="0"/>
-              <a:t>12/5/2023</a:t>
+              <a:pPr/>
+              <a:t>3/1/2025</a:t>
             </a:fld>
             <a:endParaRPr lang="en-US"/>
           </a:p>
@@ -387,6 +388,7 @@
           <a:p>
             <a:fld id="{C1FF6DA9-008F-8B48-92A6-B652298478BF}" type="slidenum">
               <a:rPr lang="en-US" smtClean="0"/>
+              <a:pPr/>
               <a:t>‹#›</a:t>
             </a:fld>
             <a:endParaRPr lang="en-US"/>
@@ -396,7 +398,7 @@
     </p:spTree>
     <p:extLst>
       <p:ext uri="{BB962C8B-B14F-4D97-AF65-F5344CB8AC3E}">
-        <p14:creationId xmlns:p14="http://schemas.microsoft.com/office/powerpoint/2010/main" val="3168075583"/>
+        <p14:creationId xmlns:p14="http://schemas.microsoft.com/office/powerpoint/2010/main" xmlns="" val="3168075583"/>
       </p:ext>
     </p:extLst>
   </p:cSld>
@@ -513,7 +515,8 @@
           <a:p>
             <a:fld id="{5BCAD085-E8A6-8845-BD4E-CB4CCA059FC4}" type="datetimeFigureOut">
               <a:rPr lang="en-US" smtClean="0"/>
-              <a:t>12/5/2023</a:t>
+              <a:pPr/>
+              <a:t>3/1/2025</a:t>
             </a:fld>
             <a:endParaRPr lang="en-US"/>
           </a:p>
@@ -555,6 +558,7 @@
           <a:p>
             <a:fld id="{C1FF6DA9-008F-8B48-92A6-B652298478BF}" type="slidenum">
               <a:rPr lang="en-US" smtClean="0"/>
+              <a:pPr/>
               <a:t>‹#›</a:t>
             </a:fld>
             <a:endParaRPr lang="en-US"/>
@@ -564,7 +568,7 @@
     </p:spTree>
     <p:extLst>
       <p:ext uri="{BB962C8B-B14F-4D97-AF65-F5344CB8AC3E}">
-        <p14:creationId xmlns:p14="http://schemas.microsoft.com/office/powerpoint/2010/main" val="2910927964"/>
+        <p14:creationId xmlns:p14="http://schemas.microsoft.com/office/powerpoint/2010/main" xmlns="" val="2910927964"/>
       </p:ext>
     </p:extLst>
   </p:cSld>
@@ -691,7 +695,8 @@
           <a:p>
             <a:fld id="{5BCAD085-E8A6-8845-BD4E-CB4CCA059FC4}" type="datetimeFigureOut">
               <a:rPr lang="en-US" smtClean="0"/>
-              <a:t>12/5/2023</a:t>
+              <a:pPr/>
+              <a:t>3/1/2025</a:t>
             </a:fld>
             <a:endParaRPr lang="en-US"/>
           </a:p>
@@ -733,6 +738,7 @@
           <a:p>
             <a:fld id="{C1FF6DA9-008F-8B48-92A6-B652298478BF}" type="slidenum">
               <a:rPr lang="en-US" smtClean="0"/>
+              <a:pPr/>
               <a:t>‹#›</a:t>
             </a:fld>
             <a:endParaRPr lang="en-US"/>
@@ -742,7 +748,7 @@
     </p:spTree>
     <p:extLst>
       <p:ext uri="{BB962C8B-B14F-4D97-AF65-F5344CB8AC3E}">
-        <p14:creationId xmlns:p14="http://schemas.microsoft.com/office/powerpoint/2010/main" val="3612223792"/>
+        <p14:creationId xmlns:p14="http://schemas.microsoft.com/office/powerpoint/2010/main" xmlns="" val="3612223792"/>
       </p:ext>
     </p:extLst>
   </p:cSld>
@@ -859,7 +865,8 @@
           <a:p>
             <a:fld id="{5BCAD085-E8A6-8845-BD4E-CB4CCA059FC4}" type="datetimeFigureOut">
               <a:rPr lang="en-US" smtClean="0"/>
-              <a:t>12/5/2023</a:t>
+              <a:pPr/>
+              <a:t>3/1/2025</a:t>
             </a:fld>
             <a:endParaRPr lang="en-US"/>
           </a:p>
@@ -901,6 +908,7 @@
           <a:p>
             <a:fld id="{C1FF6DA9-008F-8B48-92A6-B652298478BF}" type="slidenum">
               <a:rPr lang="en-US" smtClean="0"/>
+              <a:pPr/>
               <a:t>‹#›</a:t>
             </a:fld>
             <a:endParaRPr lang="en-US"/>
@@ -910,7 +918,7 @@
     </p:spTree>
     <p:extLst>
       <p:ext uri="{BB962C8B-B14F-4D97-AF65-F5344CB8AC3E}">
-        <p14:creationId xmlns:p14="http://schemas.microsoft.com/office/powerpoint/2010/main" val="2614314258"/>
+        <p14:creationId xmlns:p14="http://schemas.microsoft.com/office/powerpoint/2010/main" xmlns="" val="2614314258"/>
       </p:ext>
     </p:extLst>
   </p:cSld>
@@ -1104,7 +1112,8 @@
           <a:p>
             <a:fld id="{5BCAD085-E8A6-8845-BD4E-CB4CCA059FC4}" type="datetimeFigureOut">
               <a:rPr lang="en-US" smtClean="0"/>
-              <a:t>12/5/2023</a:t>
+              <a:pPr/>
+              <a:t>3/1/2025</a:t>
             </a:fld>
             <a:endParaRPr lang="en-US"/>
           </a:p>
@@ -1146,6 +1155,7 @@
           <a:p>
             <a:fld id="{C1FF6DA9-008F-8B48-92A6-B652298478BF}" type="slidenum">
               <a:rPr lang="en-US" smtClean="0"/>
+              <a:pPr/>
               <a:t>‹#›</a:t>
             </a:fld>
             <a:endParaRPr lang="en-US"/>
@@ -1155,7 +1165,7 @@
     </p:spTree>
     <p:extLst>
       <p:ext uri="{BB962C8B-B14F-4D97-AF65-F5344CB8AC3E}">
-        <p14:creationId xmlns:p14="http://schemas.microsoft.com/office/powerpoint/2010/main" val="960648375"/>
+        <p14:creationId xmlns:p14="http://schemas.microsoft.com/office/powerpoint/2010/main" xmlns="" val="960648375"/>
       </p:ext>
     </p:extLst>
   </p:cSld>
@@ -1389,7 +1399,8 @@
           <a:p>
             <a:fld id="{5BCAD085-E8A6-8845-BD4E-CB4CCA059FC4}" type="datetimeFigureOut">
               <a:rPr lang="en-US" smtClean="0"/>
-              <a:t>12/5/2023</a:t>
+              <a:pPr/>
+              <a:t>3/1/2025</a:t>
             </a:fld>
             <a:endParaRPr lang="en-US"/>
           </a:p>
@@ -1431,6 +1442,7 @@
           <a:p>
             <a:fld id="{C1FF6DA9-008F-8B48-92A6-B652298478BF}" type="slidenum">
               <a:rPr lang="en-US" smtClean="0"/>
+              <a:pPr/>
               <a:t>‹#›</a:t>
             </a:fld>
             <a:endParaRPr lang="en-US"/>
@@ -1440,7 +1452,7 @@
     </p:spTree>
     <p:extLst>
       <p:ext uri="{BB962C8B-B14F-4D97-AF65-F5344CB8AC3E}">
-        <p14:creationId xmlns:p14="http://schemas.microsoft.com/office/powerpoint/2010/main" val="2782244947"/>
+        <p14:creationId xmlns:p14="http://schemas.microsoft.com/office/powerpoint/2010/main" xmlns="" val="2782244947"/>
       </p:ext>
     </p:extLst>
   </p:cSld>
@@ -1808,7 +1820,8 @@
           <a:p>
             <a:fld id="{5BCAD085-E8A6-8845-BD4E-CB4CCA059FC4}" type="datetimeFigureOut">
               <a:rPr lang="en-US" smtClean="0"/>
-              <a:t>12/5/2023</a:t>
+              <a:pPr/>
+              <a:t>3/1/2025</a:t>
             </a:fld>
             <a:endParaRPr lang="en-US"/>
           </a:p>
@@ -1850,6 +1863,7 @@
           <a:p>
             <a:fld id="{C1FF6DA9-008F-8B48-92A6-B652298478BF}" type="slidenum">
               <a:rPr lang="en-US" smtClean="0"/>
+              <a:pPr/>
               <a:t>‹#›</a:t>
             </a:fld>
             <a:endParaRPr lang="en-US"/>
@@ -1859,7 +1873,7 @@
     </p:spTree>
     <p:extLst>
       <p:ext uri="{BB962C8B-B14F-4D97-AF65-F5344CB8AC3E}">
-        <p14:creationId xmlns:p14="http://schemas.microsoft.com/office/powerpoint/2010/main" val="990158736"/>
+        <p14:creationId xmlns:p14="http://schemas.microsoft.com/office/powerpoint/2010/main" xmlns="" val="990158736"/>
       </p:ext>
     </p:extLst>
   </p:cSld>
@@ -1925,7 +1939,8 @@
           <a:p>
             <a:fld id="{5BCAD085-E8A6-8845-BD4E-CB4CCA059FC4}" type="datetimeFigureOut">
               <a:rPr lang="en-US" smtClean="0"/>
-              <a:t>12/5/2023</a:t>
+              <a:pPr/>
+              <a:t>3/1/2025</a:t>
             </a:fld>
             <a:endParaRPr lang="en-US"/>
           </a:p>
@@ -1967,6 +1982,7 @@
           <a:p>
             <a:fld id="{C1FF6DA9-008F-8B48-92A6-B652298478BF}" type="slidenum">
               <a:rPr lang="en-US" smtClean="0"/>
+              <a:pPr/>
               <a:t>‹#›</a:t>
             </a:fld>
             <a:endParaRPr lang="en-US"/>
@@ -1976,7 +1992,7 @@
     </p:spTree>
     <p:extLst>
       <p:ext uri="{BB962C8B-B14F-4D97-AF65-F5344CB8AC3E}">
-        <p14:creationId xmlns:p14="http://schemas.microsoft.com/office/powerpoint/2010/main" val="727027711"/>
+        <p14:creationId xmlns:p14="http://schemas.microsoft.com/office/powerpoint/2010/main" xmlns="" val="727027711"/>
       </p:ext>
     </p:extLst>
   </p:cSld>
@@ -2020,7 +2036,8 @@
           <a:p>
             <a:fld id="{5BCAD085-E8A6-8845-BD4E-CB4CCA059FC4}" type="datetimeFigureOut">
               <a:rPr lang="en-US" smtClean="0"/>
-              <a:t>12/5/2023</a:t>
+              <a:pPr/>
+              <a:t>3/1/2025</a:t>
             </a:fld>
             <a:endParaRPr lang="en-US"/>
           </a:p>
@@ -2062,6 +2079,7 @@
           <a:p>
             <a:fld id="{C1FF6DA9-008F-8B48-92A6-B652298478BF}" type="slidenum">
               <a:rPr lang="en-US" smtClean="0"/>
+              <a:pPr/>
               <a:t>‹#›</a:t>
             </a:fld>
             <a:endParaRPr lang="en-US"/>
@@ -2071,7 +2089,7 @@
     </p:spTree>
     <p:extLst>
       <p:ext uri="{BB962C8B-B14F-4D97-AF65-F5344CB8AC3E}">
-        <p14:creationId xmlns:p14="http://schemas.microsoft.com/office/powerpoint/2010/main" val="1212999818"/>
+        <p14:creationId xmlns:p14="http://schemas.microsoft.com/office/powerpoint/2010/main" xmlns="" val="1212999818"/>
       </p:ext>
     </p:extLst>
   </p:cSld>
@@ -2295,7 +2313,8 @@
           <a:p>
             <a:fld id="{5BCAD085-E8A6-8845-BD4E-CB4CCA059FC4}" type="datetimeFigureOut">
               <a:rPr lang="en-US" smtClean="0"/>
-              <a:t>12/5/2023</a:t>
+              <a:pPr/>
+              <a:t>3/1/2025</a:t>
             </a:fld>
             <a:endParaRPr lang="en-US"/>
           </a:p>
@@ -2337,6 +2356,7 @@
           <a:p>
             <a:fld id="{C1FF6DA9-008F-8B48-92A6-B652298478BF}" type="slidenum">
               <a:rPr lang="en-US" smtClean="0"/>
+              <a:pPr/>
               <a:t>‹#›</a:t>
             </a:fld>
             <a:endParaRPr lang="en-US"/>
@@ -2346,7 +2366,7 @@
     </p:spTree>
     <p:extLst>
       <p:ext uri="{BB962C8B-B14F-4D97-AF65-F5344CB8AC3E}">
-        <p14:creationId xmlns:p14="http://schemas.microsoft.com/office/powerpoint/2010/main" val="1840726560"/>
+        <p14:creationId xmlns:p14="http://schemas.microsoft.com/office/powerpoint/2010/main" xmlns="" val="1840726560"/>
       </p:ext>
     </p:extLst>
   </p:cSld>
@@ -2547,7 +2567,8 @@
           <a:p>
             <a:fld id="{5BCAD085-E8A6-8845-BD4E-CB4CCA059FC4}" type="datetimeFigureOut">
               <a:rPr lang="en-US" smtClean="0"/>
-              <a:t>12/5/2023</a:t>
+              <a:pPr/>
+              <a:t>3/1/2025</a:t>
             </a:fld>
             <a:endParaRPr lang="en-US"/>
           </a:p>
@@ -2589,6 +2610,7 @@
           <a:p>
             <a:fld id="{C1FF6DA9-008F-8B48-92A6-B652298478BF}" type="slidenum">
               <a:rPr lang="en-US" smtClean="0"/>
+              <a:pPr/>
               <a:t>‹#›</a:t>
             </a:fld>
             <a:endParaRPr lang="en-US"/>
@@ -2598,7 +2620,7 @@
     </p:spTree>
     <p:extLst>
       <p:ext uri="{BB962C8B-B14F-4D97-AF65-F5344CB8AC3E}">
-        <p14:creationId xmlns:p14="http://schemas.microsoft.com/office/powerpoint/2010/main" val="3889236939"/>
+        <p14:creationId xmlns:p14="http://schemas.microsoft.com/office/powerpoint/2010/main" xmlns="" val="3889236939"/>
       </p:ext>
     </p:extLst>
   </p:cSld>
@@ -2758,7 +2780,8 @@
           <a:p>
             <a:fld id="{5BCAD085-E8A6-8845-BD4E-CB4CCA059FC4}" type="datetimeFigureOut">
               <a:rPr lang="en-US" smtClean="0"/>
-              <a:t>12/5/2023</a:t>
+              <a:pPr/>
+              <a:t>3/1/2025</a:t>
             </a:fld>
             <a:endParaRPr lang="en-US"/>
           </a:p>
@@ -2836,6 +2859,7 @@
           <a:p>
             <a:fld id="{C1FF6DA9-008F-8B48-92A6-B652298478BF}" type="slidenum">
               <a:rPr lang="en-US" smtClean="0"/>
+              <a:pPr/>
               <a:t>‹#›</a:t>
             </a:fld>
             <a:endParaRPr lang="en-US"/>
@@ -2845,7 +2869,7 @@
     </p:spTree>
     <p:extLst>
       <p:ext uri="{BB962C8B-B14F-4D97-AF65-F5344CB8AC3E}">
-        <p14:creationId xmlns:p14="http://schemas.microsoft.com/office/powerpoint/2010/main" val="2209977519"/>
+        <p14:creationId xmlns:p14="http://schemas.microsoft.com/office/powerpoint/2010/main" xmlns="" val="2209977519"/>
       </p:ext>
     </p:extLst>
   </p:cSld>
@@ -3162,6 +3186,13 @@
   <p:clrMapOvr>
     <a:masterClrMapping/>
   </p:clrMapOvr>
+  <p:timing>
+    <p:tnLst>
+      <p:par>
+        <p:cTn id="1" dur="indefinite" restart="never" nodeType="tmRoot"/>
+      </p:par>
+    </p:tnLst>
+  </p:timing>
 </p:sld>
 </file>
 
@@ -3701,6 +3732,13 @@
   <p:clrMapOvr>
     <a:masterClrMapping/>
   </p:clrMapOvr>
+  <p:timing>
+    <p:tnLst>
+      <p:par>
+        <p:cTn id="1" dur="indefinite" restart="never" nodeType="tmRoot"/>
+      </p:par>
+    </p:tnLst>
+  </p:timing>
 </p:sld>
 </file>
 
@@ -4240,6 +4278,13 @@
   <p:clrMapOvr>
     <a:masterClrMapping/>
   </p:clrMapOvr>
+  <p:timing>
+    <p:tnLst>
+      <p:par>
+        <p:cTn id="1" dur="indefinite" restart="never" nodeType="tmRoot"/>
+      </p:par>
+    </p:tnLst>
+  </p:timing>
 </p:sld>
 </file>
 
@@ -4779,6 +4824,13 @@
   <p:clrMapOvr>
     <a:masterClrMapping/>
   </p:clrMapOvr>
+  <p:timing>
+    <p:tnLst>
+      <p:par>
+        <p:cTn id="1" dur="indefinite" restart="never" nodeType="tmRoot"/>
+      </p:par>
+    </p:tnLst>
+  </p:timing>
 </p:sld>
 </file>
 
@@ -5060,7 +5112,7 @@
         </p:blipFill>
         <p:spPr>
           <a:xfrm>
-            <a:off x="0" y="4571"/>
+            <a:off x="0" y="0"/>
             <a:ext cx="9144000" cy="6858000"/>
           </a:xfrm>
           <a:prstGeom prst="rect">
